--- a/docs/launchpad/LAP_BEWINNORsSlides.pptx
+++ b/docs/launchpad/LAP_BEWINNORsSlides.pptx
@@ -133,6 +133,7 @@
     <p1510:client id="{174709C8-D77E-417F-B425-47C15774F9CC}" v="35" dt="2022-07-13T02:30:49.408"/>
     <p1510:client id="{2D557CED-15B1-AC0D-9789-299F39588745}" v="34" dt="2022-07-12T06:13:14.689"/>
     <p1510:client id="{79BCE0DD-D05B-4957-833A-E79D31D1721D}" v="7" dt="2022-07-13T18:03:50.640"/>
+    <p1510:client id="{9662D2B3-66AD-40FB-87CF-0C1677F35ACD}" v="8" dt="2022-07-14T10:48:19.890"/>
     <p1510:client id="{DEB8DC63-9835-4BCC-98D8-E3C181DC231E}" v="5" dt="2022-07-07T21:41:33.053"/>
     <p1510:client id="{E139B4CE-1009-48BC-BDDF-2C4C355062FA}" v="126" dt="2022-07-07T21:53:24.003"/>
     <p1510:client id="{EFA386B8-4192-DFB2-B90F-EA9B0F94F40A}" v="259" dt="2022-07-05T21:00:03.391"/>
@@ -168,6 +169,30 @@
     </pc:docChg>
   </pc:docChgLst>
   <pc:docChgLst>
+    <pc:chgData name="Wang, Y. Curtis" userId="S::ywang11@calstatela.edu::ebb76287-dca2-44e9-a1d1-2cc69b87af63" providerId="AD" clId="Web-{3FD480EE-43F1-A680-E367-608D50DFA7A8}"/>
+    <pc:docChg chg="modSld">
+      <pc:chgData name="Wang, Y. Curtis" userId="S::ywang11@calstatela.edu::ebb76287-dca2-44e9-a1d1-2cc69b87af63" providerId="AD" clId="Web-{3FD480EE-43F1-A680-E367-608D50DFA7A8}" dt="2022-07-12T06:05:36.251" v="5" actId="20577"/>
+      <pc:docMkLst>
+        <pc:docMk/>
+      </pc:docMkLst>
+      <pc:sldChg chg="modSp">
+        <pc:chgData name="Wang, Y. Curtis" userId="S::ywang11@calstatela.edu::ebb76287-dca2-44e9-a1d1-2cc69b87af63" providerId="AD" clId="Web-{3FD480EE-43F1-A680-E367-608D50DFA7A8}" dt="2022-07-12T06:05:36.251" v="5" actId="20577"/>
+        <pc:sldMkLst>
+          <pc:docMk/>
+          <pc:sldMk cId="1648730288" sldId="270"/>
+        </pc:sldMkLst>
+        <pc:graphicFrameChg chg="modGraphic">
+          <ac:chgData name="Wang, Y. Curtis" userId="S::ywang11@calstatela.edu::ebb76287-dca2-44e9-a1d1-2cc69b87af63" providerId="AD" clId="Web-{3FD480EE-43F1-A680-E367-608D50DFA7A8}" dt="2022-07-12T06:05:36.251" v="5" actId="20577"/>
+          <ac:graphicFrameMkLst>
+            <pc:docMk/>
+            <pc:sldMk cId="1648730288" sldId="270"/>
+            <ac:graphicFrameMk id="17" creationId="{4DAD376E-78B2-6104-77B5-815AA46C011D}"/>
+          </ac:graphicFrameMkLst>
+        </pc:graphicFrameChg>
+      </pc:sldChg>
+    </pc:docChg>
+  </pc:docChgLst>
+  <pc:docChgLst>
     <pc:chgData name="Wang, Y. Curtis" userId="S::ywang11@calstatela.edu::ebb76287-dca2-44e9-a1d1-2cc69b87af63" providerId="AD" clId="Web-{2D557CED-15B1-AC0D-9789-299F39588745}"/>
     <pc:docChg chg="modSld">
       <pc:chgData name="Wang, Y. Curtis" userId="S::ywang11@calstatela.edu::ebb76287-dca2-44e9-a1d1-2cc69b87af63" providerId="AD" clId="Web-{2D557CED-15B1-AC0D-9789-299F39588745}" dt="2022-07-12T06:13:14.689" v="15" actId="20577"/>
@@ -203,30 +228,6 @@
             <ac:spMk id="3" creationId="{F4CE0436-6F8A-30C9-AD07-A45F810B140A}"/>
           </ac:spMkLst>
         </pc:spChg>
-      </pc:sldChg>
-    </pc:docChg>
-  </pc:docChgLst>
-  <pc:docChgLst>
-    <pc:chgData name="Wang, Y. Curtis" userId="S::ywang11@calstatela.edu::ebb76287-dca2-44e9-a1d1-2cc69b87af63" providerId="AD" clId="Web-{3FD480EE-43F1-A680-E367-608D50DFA7A8}"/>
-    <pc:docChg chg="modSld">
-      <pc:chgData name="Wang, Y. Curtis" userId="S::ywang11@calstatela.edu::ebb76287-dca2-44e9-a1d1-2cc69b87af63" providerId="AD" clId="Web-{3FD480EE-43F1-A680-E367-608D50DFA7A8}" dt="2022-07-12T06:05:36.251" v="5" actId="20577"/>
-      <pc:docMkLst>
-        <pc:docMk/>
-      </pc:docMkLst>
-      <pc:sldChg chg="modSp">
-        <pc:chgData name="Wang, Y. Curtis" userId="S::ywang11@calstatela.edu::ebb76287-dca2-44e9-a1d1-2cc69b87af63" providerId="AD" clId="Web-{3FD480EE-43F1-A680-E367-608D50DFA7A8}" dt="2022-07-12T06:05:36.251" v="5" actId="20577"/>
-        <pc:sldMkLst>
-          <pc:docMk/>
-          <pc:sldMk cId="1648730288" sldId="270"/>
-        </pc:sldMkLst>
-        <pc:graphicFrameChg chg="modGraphic">
-          <ac:chgData name="Wang, Y. Curtis" userId="S::ywang11@calstatela.edu::ebb76287-dca2-44e9-a1d1-2cc69b87af63" providerId="AD" clId="Web-{3FD480EE-43F1-A680-E367-608D50DFA7A8}" dt="2022-07-12T06:05:36.251" v="5" actId="20577"/>
-          <ac:graphicFrameMkLst>
-            <pc:docMk/>
-            <pc:sldMk cId="1648730288" sldId="270"/>
-            <ac:graphicFrameMk id="17" creationId="{4DAD376E-78B2-6104-77B5-815AA46C011D}"/>
-          </ac:graphicFrameMkLst>
-        </pc:graphicFrameChg>
       </pc:sldChg>
     </pc:docChg>
   </pc:docChgLst>
@@ -402,6 +403,45 @@
             <ac:cxnSpMk id="15" creationId="{DB146403-F3D6-484B-B2ED-97F9565D0370}"/>
           </ac:cxnSpMkLst>
         </pc:cxnChg>
+      </pc:sldChg>
+    </pc:docChg>
+  </pc:docChgLst>
+  <pc:docChgLst>
+    <pc:chgData name="Gonzalez, Maria E" userId="S::mgonza216@calstatela.edu::63a312be-ad7e-4959-a139-dc0175394eee" providerId="AD" clId="Web-{9662D2B3-66AD-40FB-87CF-0C1677F35ACD}"/>
+    <pc:docChg chg="modSld">
+      <pc:chgData name="Gonzalez, Maria E" userId="S::mgonza216@calstatela.edu::63a312be-ad7e-4959-a139-dc0175394eee" providerId="AD" clId="Web-{9662D2B3-66AD-40FB-87CF-0C1677F35ACD}" dt="2022-07-14T10:48:19.625" v="8" actId="20577"/>
+      <pc:docMkLst>
+        <pc:docMk/>
+      </pc:docMkLst>
+      <pc:sldChg chg="modSp">
+        <pc:chgData name="Gonzalez, Maria E" userId="S::mgonza216@calstatela.edu::63a312be-ad7e-4959-a139-dc0175394eee" providerId="AD" clId="Web-{9662D2B3-66AD-40FB-87CF-0C1677F35ACD}" dt="2022-07-14T10:48:06.952" v="4" actId="20577"/>
+        <pc:sldMkLst>
+          <pc:docMk/>
+          <pc:sldMk cId="984313336" sldId="267"/>
+        </pc:sldMkLst>
+        <pc:spChg chg="mod">
+          <ac:chgData name="Gonzalez, Maria E" userId="S::mgonza216@calstatela.edu::63a312be-ad7e-4959-a139-dc0175394eee" providerId="AD" clId="Web-{9662D2B3-66AD-40FB-87CF-0C1677F35ACD}" dt="2022-07-14T10:48:06.952" v="4" actId="20577"/>
+          <ac:spMkLst>
+            <pc:docMk/>
+            <pc:sldMk cId="984313336" sldId="267"/>
+            <ac:spMk id="3" creationId="{F4CE0436-6F8A-30C9-AD07-A45F810B140A}"/>
+          </ac:spMkLst>
+        </pc:spChg>
+      </pc:sldChg>
+      <pc:sldChg chg="modSp">
+        <pc:chgData name="Gonzalez, Maria E" userId="S::mgonza216@calstatela.edu::63a312be-ad7e-4959-a139-dc0175394eee" providerId="AD" clId="Web-{9662D2B3-66AD-40FB-87CF-0C1677F35ACD}" dt="2022-07-14T10:48:19.625" v="8" actId="20577"/>
+        <pc:sldMkLst>
+          <pc:docMk/>
+          <pc:sldMk cId="53174339" sldId="274"/>
+        </pc:sldMkLst>
+        <pc:spChg chg="mod">
+          <ac:chgData name="Gonzalez, Maria E" userId="S::mgonza216@calstatela.edu::63a312be-ad7e-4959-a139-dc0175394eee" providerId="AD" clId="Web-{9662D2B3-66AD-40FB-87CF-0C1677F35ACD}" dt="2022-07-14T10:48:19.625" v="8" actId="20577"/>
+          <ac:spMkLst>
+            <pc:docMk/>
+            <pc:sldMk cId="53174339" sldId="274"/>
+            <ac:spMk id="3" creationId="{F4CE0436-6F8A-30C9-AD07-A45F810B140A}"/>
+          </ac:spMkLst>
+        </pc:spChg>
       </pc:sldChg>
     </pc:docChg>
   </pc:docChgLst>
@@ -5735,7 +5775,7 @@
           <a:p>
             <a:fld id="{136B7E57-1D71-418B-9B3D-D4CC12536459}" type="datetimeFigureOut">
               <a:rPr lang="en-US" smtClean="0"/>
-              <a:t>7/13/2022</a:t>
+              <a:t>7/14/2022</a:t>
             </a:fld>
             <a:endParaRPr lang="en-US"/>
           </a:p>
@@ -5985,7 +6025,7 @@
           <a:p>
             <a:fld id="{136B7E57-1D71-418B-9B3D-D4CC12536459}" type="datetimeFigureOut">
               <a:rPr lang="en-US" smtClean="0"/>
-              <a:t>7/13/2022</a:t>
+              <a:t>7/14/2022</a:t>
             </a:fld>
             <a:endParaRPr lang="en-US"/>
           </a:p>
@@ -6193,7 +6233,7 @@
           <a:p>
             <a:fld id="{136B7E57-1D71-418B-9B3D-D4CC12536459}" type="datetimeFigureOut">
               <a:rPr lang="en-US" smtClean="0"/>
-              <a:t>7/13/2022</a:t>
+              <a:t>7/14/2022</a:t>
             </a:fld>
             <a:endParaRPr lang="en-US"/>
           </a:p>
@@ -6391,7 +6431,7 @@
           <a:p>
             <a:fld id="{136B7E57-1D71-418B-9B3D-D4CC12536459}" type="datetimeFigureOut">
               <a:rPr lang="en-US" smtClean="0"/>
-              <a:t>7/13/2022</a:t>
+              <a:t>7/14/2022</a:t>
             </a:fld>
             <a:endParaRPr lang="en-US"/>
           </a:p>
@@ -6688,7 +6728,7 @@
           <a:p>
             <a:fld id="{136B7E57-1D71-418B-9B3D-D4CC12536459}" type="datetimeFigureOut">
               <a:rPr lang="en-US" smtClean="0"/>
-              <a:t>7/13/2022</a:t>
+              <a:t>7/14/2022</a:t>
             </a:fld>
             <a:endParaRPr lang="en-US"/>
           </a:p>
@@ -6953,7 +6993,7 @@
           <a:p>
             <a:fld id="{136B7E57-1D71-418B-9B3D-D4CC12536459}" type="datetimeFigureOut">
               <a:rPr lang="en-US" smtClean="0"/>
-              <a:t>7/13/2022</a:t>
+              <a:t>7/14/2022</a:t>
             </a:fld>
             <a:endParaRPr lang="en-US"/>
           </a:p>
@@ -7365,7 +7405,7 @@
           <a:p>
             <a:fld id="{136B7E57-1D71-418B-9B3D-D4CC12536459}" type="datetimeFigureOut">
               <a:rPr lang="en-US" smtClean="0"/>
-              <a:t>7/13/2022</a:t>
+              <a:t>7/14/2022</a:t>
             </a:fld>
             <a:endParaRPr lang="en-US"/>
           </a:p>
@@ -7506,7 +7546,7 @@
           <a:p>
             <a:fld id="{136B7E57-1D71-418B-9B3D-D4CC12536459}" type="datetimeFigureOut">
               <a:rPr lang="en-US" smtClean="0"/>
-              <a:t>7/13/2022</a:t>
+              <a:t>7/14/2022</a:t>
             </a:fld>
             <a:endParaRPr lang="en-US"/>
           </a:p>
@@ -7619,7 +7659,7 @@
           <a:p>
             <a:fld id="{136B7E57-1D71-418B-9B3D-D4CC12536459}" type="datetimeFigureOut">
               <a:rPr lang="en-US" smtClean="0"/>
-              <a:t>7/13/2022</a:t>
+              <a:t>7/14/2022</a:t>
             </a:fld>
             <a:endParaRPr lang="en-US"/>
           </a:p>
@@ -7930,7 +7970,7 @@
           <a:p>
             <a:fld id="{136B7E57-1D71-418B-9B3D-D4CC12536459}" type="datetimeFigureOut">
               <a:rPr lang="en-US" smtClean="0"/>
-              <a:t>7/13/2022</a:t>
+              <a:t>7/14/2022</a:t>
             </a:fld>
             <a:endParaRPr lang="en-US"/>
           </a:p>
@@ -8218,7 +8258,7 @@
           <a:p>
             <a:fld id="{136B7E57-1D71-418B-9B3D-D4CC12536459}" type="datetimeFigureOut">
               <a:rPr lang="en-US" smtClean="0"/>
-              <a:t>7/13/2022</a:t>
+              <a:t>7/14/2022</a:t>
             </a:fld>
             <a:endParaRPr lang="en-US"/>
           </a:p>
@@ -8459,7 +8499,7 @@
           <a:p>
             <a:fld id="{136B7E57-1D71-418B-9B3D-D4CC12536459}" type="datetimeFigureOut">
               <a:rPr lang="en-US" smtClean="0"/>
-              <a:t>7/13/2022</a:t>
+              <a:t>7/14/2022</a:t>
             </a:fld>
             <a:endParaRPr lang="en-US"/>
           </a:p>
@@ -19170,7 +19210,7 @@
           <a:p>
             <a:pPr lvl="1"/>
             <a:r>
-              <a:rPr lang="en-US">
+              <a:rPr lang="en-US" dirty="0">
                 <a:ea typeface="+mn-lt"/>
                 <a:cs typeface="+mn-lt"/>
               </a:rPr>
@@ -19178,202 +19218,119 @@
             </a:r>
           </a:p>
           <a:p>
-            <a:pPr marL="1371600" lvl="2" indent="-457200">
-              <a:buFont typeface="+mj-lt"/>
-              <a:buAutoNum type="romanLcPeriod"/>
+            <a:pPr lvl="2">
+              <a:buFont typeface="Arial" panose="020F0302020204030204"/>
+              <a:buChar char="•"/>
             </a:pPr>
             <a:r>
-              <a:rPr lang="en-US" sz="2400">
+              <a:rPr lang="en-US" sz="2400" dirty="0">
                 <a:ea typeface="+mn-lt"/>
                 <a:cs typeface="+mn-lt"/>
               </a:rPr>
-              <a:t>Connect H-bridge to stepper motor according to wiring diagram in Fig. 1</a:t>
+              <a:t>Connect the stepper motor to the motor shield according to wiring diagram in Fig. 1</a:t>
             </a:r>
-            <a:endParaRPr lang="en-US" sz="2400">
-              <a:cs typeface="Calibri" panose="020F0502020204030204"/>
-            </a:endParaRPr>
-          </a:p>
-          <a:p>
-            <a:pPr marL="1371600" lvl="2" indent="-457200">
-              <a:buFont typeface="+mj-lt"/>
-              <a:buAutoNum type="romanLcPeriod"/>
+          </a:p>
+          <a:p>
+            <a:pPr lvl="2">
+              <a:buFont typeface="Arial" panose="020F0302020204030204"/>
+              <a:buChar char="•"/>
             </a:pPr>
             <a:r>
-              <a:rPr lang="en-US" sz="2400">
+              <a:rPr lang="en-US" sz="2400" dirty="0">
                 <a:ea typeface="+mn-lt"/>
                 <a:cs typeface="+mn-lt"/>
               </a:rPr>
-              <a:t>Connect your laptop to the </a:t>
+              <a:t>Connect the Arduino board to the laptop and connect the power supply to the motor shield.</a:t>
             </a:r>
+          </a:p>
+          <a:p>
+            <a:pPr lvl="2">
+              <a:buFont typeface="Arial" panose="020F0302020204030204"/>
+              <a:buChar char="•"/>
+            </a:pPr>
             <a:r>
-              <a:rPr lang="en-US" sz="2400" err="1">
+              <a:rPr lang="en-US" sz="2400" dirty="0">
                 <a:ea typeface="+mn-lt"/>
                 <a:cs typeface="+mn-lt"/>
               </a:rPr>
-              <a:t>Pynq</a:t>
+              <a:t>Launch Arduino.</a:t>
             </a:r>
+          </a:p>
+          <a:p>
+            <a:pPr lvl="2">
+              <a:buFont typeface="Arial" panose="020F0302020204030204"/>
+              <a:buChar char="•"/>
+            </a:pPr>
             <a:r>
-              <a:rPr lang="en-US" sz="2400">
+              <a:rPr lang="en-US" sz="2400" dirty="0">
                 <a:ea typeface="+mn-lt"/>
                 <a:cs typeface="+mn-lt"/>
               </a:rPr>
-              <a:t> board, turn </a:t>
+              <a:t>Click Tools → Board → Arduino Uno</a:t>
             </a:r>
+          </a:p>
+          <a:p>
+            <a:pPr lvl="2">
+              <a:buFont typeface="Arial" panose="020F0302020204030204"/>
+              <a:buChar char="•"/>
+            </a:pPr>
             <a:r>
-              <a:rPr lang="en-US" sz="2400" err="1">
+              <a:rPr lang="en-US" sz="2400" dirty="0">
                 <a:ea typeface="+mn-lt"/>
                 <a:cs typeface="+mn-lt"/>
               </a:rPr>
-              <a:t>Pynq</a:t>
+              <a:t>Click Tools → Port → COMX (Arduino Uno)</a:t>
             </a:r>
+          </a:p>
+          <a:p>
+            <a:pPr lvl="2">
+              <a:buFont typeface="Arial" panose="020F0302020204030204"/>
+              <a:buChar char="•"/>
+            </a:pPr>
             <a:r>
-              <a:rPr lang="en-US" sz="2400">
+              <a:rPr lang="en-US" sz="2400" dirty="0">
                 <a:ea typeface="+mn-lt"/>
                 <a:cs typeface="+mn-lt"/>
               </a:rPr>
-              <a:t> board on.</a:t>
+              <a:t>Save your code</a:t>
             </a:r>
-            <a:endParaRPr lang="en-US" sz="2400">
-              <a:cs typeface="Calibri" panose="020F0502020204030204"/>
-            </a:endParaRPr>
-          </a:p>
-          <a:p>
-            <a:pPr marL="1371600" lvl="2" indent="-457200">
-              <a:buFont typeface="+mj-lt"/>
-              <a:buAutoNum type="romanLcPeriod"/>
+          </a:p>
+          <a:p>
+            <a:pPr lvl="2">
+              <a:buFont typeface="Arial" panose="020F0302020204030204"/>
+              <a:buChar char="•"/>
             </a:pPr>
             <a:r>
-              <a:rPr lang="en-US" sz="2400">
+              <a:rPr lang="en-US" sz="2400" dirty="0">
                 <a:ea typeface="+mn-lt"/>
                 <a:cs typeface="+mn-lt"/>
               </a:rPr>
-              <a:t>Launch Moba </a:t>
+              <a:t>Click Verify (✓)</a:t>
             </a:r>
+            <a:endParaRPr lang="en-US" dirty="0"/>
+          </a:p>
+          <a:p>
+            <a:pPr lvl="2">
+              <a:buFont typeface="Arial" panose="020F0302020204030204"/>
+              <a:buChar char="•"/>
+            </a:pPr>
             <a:r>
-              <a:rPr lang="en-US" sz="2400" err="1">
+              <a:rPr lang="en-US" sz="2400" dirty="0">
                 <a:ea typeface="+mn-lt"/>
                 <a:cs typeface="+mn-lt"/>
               </a:rPr>
-              <a:t>xTerm</a:t>
+              <a:t>Click Upload (🡆)</a:t>
             </a:r>
-            <a:r>
-              <a:rPr lang="en-US" sz="2400">
-                <a:ea typeface="+mn-lt"/>
-                <a:cs typeface="+mn-lt"/>
-              </a:rPr>
-              <a:t>.</a:t>
-            </a:r>
-          </a:p>
-          <a:p>
-            <a:pPr marL="1371600" lvl="2" indent="-457200">
-              <a:buFont typeface="+mj-lt"/>
-              <a:buAutoNum type="romanLcPeriod"/>
+            <a:endParaRPr lang="en-US" dirty="0"/>
+          </a:p>
+          <a:p>
+            <a:pPr lvl="2">
+              <a:buFont typeface="Arial" panose="020F0302020204030204"/>
+              <a:buChar char="•"/>
             </a:pPr>
-            <a:r>
-              <a:rPr lang="en-US" sz="2400">
-                <a:ea typeface="+mn-lt"/>
-                <a:cs typeface="+mn-lt"/>
-              </a:rPr>
-              <a:t>Click Session</a:t>
-            </a:r>
             <a:endParaRPr lang="en-US" sz="2400">
-              <a:cs typeface="Calibri" panose="020F0502020204030204"/>
-            </a:endParaRPr>
-          </a:p>
-          <a:p>
-            <a:pPr marL="1371600" lvl="2" indent="-457200">
-              <a:buFont typeface="+mj-lt"/>
-              <a:buAutoNum type="romanLcPeriod"/>
-            </a:pPr>
-            <a:r>
-              <a:rPr lang="en-US" sz="2400">
-                <a:ea typeface="+mn-lt"/>
-                <a:cs typeface="+mn-lt"/>
-              </a:rPr>
-              <a:t>Click Serial</a:t>
-            </a:r>
-            <a:endParaRPr lang="en-US" sz="2400">
-              <a:cs typeface="Calibri" panose="020F0502020204030204"/>
-            </a:endParaRPr>
-          </a:p>
-          <a:p>
-            <a:pPr marL="1371600" lvl="2" indent="-457200">
-              <a:buFont typeface="+mj-lt"/>
-              <a:buAutoNum type="romanLcPeriod"/>
-            </a:pPr>
-            <a:r>
-              <a:rPr lang="en-US" sz="2400">
-                <a:ea typeface="+mn-lt"/>
-                <a:cs typeface="+mn-lt"/>
-              </a:rPr>
-              <a:t>Select Serial Port that </a:t>
-            </a:r>
-            <a:r>
-              <a:rPr lang="en-US" sz="2400" err="1">
-                <a:ea typeface="+mn-lt"/>
-                <a:cs typeface="+mn-lt"/>
-              </a:rPr>
-              <a:t>Pynq</a:t>
-            </a:r>
-            <a:r>
-              <a:rPr lang="en-US" sz="2400">
-                <a:ea typeface="+mn-lt"/>
-                <a:cs typeface="+mn-lt"/>
-              </a:rPr>
-              <a:t> is connected to (if you’re not sure which one, </a:t>
-            </a:r>
-          </a:p>
-          <a:p>
-            <a:pPr marL="1314450" lvl="2" indent="-400050">
-              <a:buFont typeface="+mj-lt"/>
-              <a:buAutoNum type="romanLcPeriod"/>
-            </a:pPr>
-            <a:r>
-              <a:rPr lang="en-US" sz="2400">
-                <a:ea typeface="+mn-lt"/>
-                <a:cs typeface="+mn-lt"/>
-              </a:rPr>
-              <a:t>ask the mentors to help you)</a:t>
-            </a:r>
-            <a:endParaRPr lang="en-US" sz="2400">
-              <a:cs typeface="Calibri" panose="020F0502020204030204"/>
-            </a:endParaRPr>
-          </a:p>
-          <a:p>
-            <a:pPr marL="1371600" lvl="2" indent="-457200">
-              <a:buFont typeface="+mj-lt"/>
-              <a:buAutoNum type="romanLcPeriod"/>
-            </a:pPr>
-            <a:r>
-              <a:rPr lang="en-US" sz="2400">
-                <a:ea typeface="+mn-lt"/>
-                <a:cs typeface="+mn-lt"/>
-              </a:rPr>
-              <a:t>Select 115200 for Speed.</a:t>
-            </a:r>
-          </a:p>
-          <a:p>
-            <a:pPr marL="1371600" lvl="2" indent="-457200">
-              <a:buFont typeface="+mj-lt"/>
-              <a:buAutoNum type="romanLcPeriod"/>
-            </a:pPr>
-            <a:r>
-              <a:rPr lang="en-US" sz="2400">
-                <a:ea typeface="+mn-lt"/>
-                <a:cs typeface="+mn-lt"/>
-              </a:rPr>
-              <a:t>Hit OK</a:t>
-            </a:r>
-            <a:endParaRPr lang="en-US" sz="2400">
-              <a:cs typeface="Calibri" panose="020F0502020204030204"/>
-            </a:endParaRPr>
-          </a:p>
-          <a:p>
-            <a:pPr marL="971550" lvl="1" indent="-514350">
-              <a:buAutoNum type="romanLcPeriod"/>
-            </a:pPr>
-            <a:endParaRPr lang="en-US">
-              <a:cs typeface="Calibri" panose="020F0502020204030204"/>
+              <a:ea typeface="+mn-lt"/>
+              <a:cs typeface="+mn-lt"/>
             </a:endParaRPr>
           </a:p>
         </p:txBody>
@@ -20023,7 +19980,7 @@
           <a:p>
             <a:pPr lvl="1"/>
             <a:r>
-              <a:rPr lang="en-US">
+              <a:rPr lang="en-US" dirty="0">
                 <a:ea typeface="+mn-lt"/>
                 <a:cs typeface="+mn-lt"/>
               </a:rPr>
@@ -20031,184 +19988,158 @@
             </a:r>
           </a:p>
           <a:p>
-            <a:pPr marL="1371600" lvl="2" indent="-457200">
-              <a:buFont typeface="+mj-lt"/>
-              <a:buAutoNum type="romanLcPeriod" startAt="10"/>
+            <a:pPr lvl="2">
+              <a:buFont typeface="Arial,Sans-Serif" panose="020F0302020204030204"/>
+              <a:buChar char="•"/>
             </a:pPr>
             <a:r>
-              <a:rPr lang="en-US" sz="2400">
+              <a:rPr lang="en-US" sz="2400" dirty="0">
                 <a:ea typeface="+mn-lt"/>
                 <a:cs typeface="+mn-lt"/>
               </a:rPr>
-              <a:t>When the terminal (black window) appears, hit enter.</a:t>
+              <a:t>Click Tools → Serial Monitor</a:t>
+            </a:r>
+          </a:p>
+          <a:p>
+            <a:pPr lvl="2">
+              <a:buFont typeface="Arial,Sans-Serif" panose="020F0302020204030204"/>
+              <a:buChar char="•"/>
+            </a:pPr>
+            <a:r>
+              <a:rPr lang="en-US" sz="2400" dirty="0">
+                <a:ea typeface="+mn-lt"/>
+                <a:cs typeface="+mn-lt"/>
+              </a:rPr>
+              <a:t>Type “Start Motor” hit enter</a:t>
+            </a:r>
+          </a:p>
+          <a:p>
+            <a:pPr lvl="2">
+              <a:buFont typeface="Arial,Sans-Serif" panose="020F0302020204030204"/>
+              <a:buChar char="•"/>
+            </a:pPr>
+            <a:r>
+              <a:rPr lang="en-US" sz="2400" dirty="0">
+                <a:ea typeface="+mn-lt"/>
+                <a:cs typeface="+mn-lt"/>
+              </a:rPr>
+              <a:t>Type END hit enter stepper motor should start moving</a:t>
+            </a:r>
+          </a:p>
+          <a:p>
+            <a:pPr lvl="2">
+              <a:buFont typeface="Arial,Sans-Serif" panose="020F0302020204030204"/>
+              <a:buChar char="•"/>
+            </a:pPr>
+            <a:r>
+              <a:rPr lang="en-US" sz="2400" dirty="0">
+                <a:ea typeface="+mn-lt"/>
+                <a:cs typeface="+mn-lt"/>
+              </a:rPr>
+              <a:t>Type “Stop Motor” hit enter</a:t>
+            </a:r>
+          </a:p>
+          <a:p>
+            <a:pPr lvl="2">
+              <a:buFont typeface="Arial,Sans-Serif" panose="020F0302020204030204"/>
+              <a:buChar char="•"/>
+            </a:pPr>
+            <a:r>
+              <a:rPr lang="en-US" sz="2400" dirty="0">
+                <a:ea typeface="+mn-lt"/>
+                <a:cs typeface="+mn-lt"/>
+              </a:rPr>
+              <a:t>Type END hit enter to stop motor</a:t>
+            </a:r>
+          </a:p>
+          <a:p>
+            <a:pPr lvl="1">
+              <a:buFont typeface="Arial,Sans-Serif" panose="020F0302020204030204"/>
+              <a:buChar char="•"/>
+            </a:pPr>
+            <a:r>
+              <a:rPr lang="en-US" dirty="0">
+                <a:ea typeface="+mn-lt"/>
+                <a:cs typeface="+mn-lt"/>
+              </a:rPr>
+              <a:t>Change </a:t>
+            </a:r>
+            <a:r>
+              <a:rPr lang="en-US" sz="2400" dirty="0">
+                <a:ea typeface="+mn-lt"/>
+                <a:cs typeface="+mn-lt"/>
+              </a:rPr>
+              <a:t>the </a:t>
+            </a:r>
+            <a:r>
+              <a:rPr lang="en-US" dirty="0">
+                <a:ea typeface="+mn-lt"/>
+                <a:cs typeface="+mn-lt"/>
+              </a:rPr>
+              <a:t>orientation </a:t>
+            </a:r>
+            <a:r>
+              <a:rPr lang="en-US" sz="2400" dirty="0">
+                <a:ea typeface="+mn-lt"/>
+                <a:cs typeface="+mn-lt"/>
+              </a:rPr>
+              <a:t>and </a:t>
+            </a:r>
+            <a:r>
+              <a:rPr lang="en-US" dirty="0">
+                <a:ea typeface="+mn-lt"/>
+                <a:cs typeface="+mn-lt"/>
+              </a:rPr>
+              <a:t>speed</a:t>
+            </a:r>
+            <a:endParaRPr lang="en-US" sz="2400" dirty="0">
+              <a:ea typeface="+mn-lt"/>
+              <a:cs typeface="+mn-lt"/>
+            </a:endParaRPr>
+          </a:p>
+          <a:p>
+            <a:pPr lvl="2">
+              <a:buFont typeface="Arial,Sans-Serif" panose="020F0302020204030204"/>
+              <a:buChar char="•"/>
+            </a:pPr>
+            <a:r>
+              <a:rPr lang="en-US" sz="2400" dirty="0">
+                <a:ea typeface="+mn-lt"/>
+                <a:cs typeface="+mn-lt"/>
+              </a:rPr>
+              <a:t>Now, see if you can adjust one number in the code to get the stepper motor to be positioned counterclockwise and speed</a:t>
+            </a:r>
+          </a:p>
+          <a:p>
+            <a:pPr lvl="2">
+              <a:buFont typeface="Arial,Sans-Serif" panose="020F0302020204030204"/>
+              <a:buChar char="•"/>
+            </a:pPr>
+            <a:r>
+              <a:rPr lang="en-US" sz="2400" dirty="0">
+                <a:ea typeface="+mn-lt"/>
+                <a:cs typeface="+mn-lt"/>
+              </a:rPr>
+              <a:t>Log results</a:t>
             </a:r>
           </a:p>
           <a:p>
             <a:pPr marL="1371600" lvl="2" indent="-457200">
               <a:buAutoNum type="romanLcPeriod" startAt="10"/>
             </a:pPr>
-            <a:r>
-              <a:rPr lang="en-US" sz="2400">
-                <a:ea typeface="+mn-lt"/>
-                <a:cs typeface="+mn-lt"/>
-              </a:rPr>
-              <a:t>For user: enter “</a:t>
-            </a:r>
-            <a:r>
-              <a:rPr lang="en-US" sz="2400" err="1">
-                <a:ea typeface="+mn-lt"/>
-                <a:cs typeface="+mn-lt"/>
-              </a:rPr>
-              <a:t>xilinx</a:t>
-            </a:r>
-            <a:r>
-              <a:rPr lang="en-US" sz="2400">
-                <a:ea typeface="+mn-lt"/>
-                <a:cs typeface="+mn-lt"/>
-              </a:rPr>
-              <a:t>”</a:t>
-            </a:r>
-            <a:endParaRPr lang="en-US" sz="2400">
-              <a:cs typeface="Calibri" panose="020F0502020204030204"/>
+            <a:endParaRPr lang="en-US" sz="2400" dirty="0">
+              <a:ea typeface="+mn-lt"/>
+              <a:cs typeface="+mn-lt"/>
             </a:endParaRPr>
           </a:p>
           <a:p>
             <a:pPr marL="1371600" lvl="2" indent="-457200">
               <a:buAutoNum type="romanLcPeriod" startAt="10"/>
             </a:pPr>
-            <a:r>
-              <a:rPr lang="en-US" sz="2400">
-                <a:ea typeface="+mn-lt"/>
-                <a:cs typeface="+mn-lt"/>
-              </a:rPr>
-              <a:t>For password: enter “</a:t>
-            </a:r>
-            <a:r>
-              <a:rPr lang="en-US" sz="2400" err="1">
-                <a:ea typeface="+mn-lt"/>
-                <a:cs typeface="+mn-lt"/>
-              </a:rPr>
-              <a:t>xilinx</a:t>
-            </a:r>
-            <a:r>
-              <a:rPr lang="en-US" sz="2400">
-                <a:ea typeface="+mn-lt"/>
-                <a:cs typeface="+mn-lt"/>
-              </a:rPr>
-              <a:t>”</a:t>
-            </a:r>
-            <a:endParaRPr lang="en-US" sz="2400">
-              <a:cs typeface="Calibri" panose="020F0502020204030204"/>
+            <a:endParaRPr lang="en-US" sz="2400" dirty="0">
+              <a:ea typeface="+mn-lt"/>
+              <a:cs typeface="+mn-lt"/>
             </a:endParaRPr>
-          </a:p>
-          <a:p>
-            <a:pPr marL="1371600" lvl="2" indent="-457200">
-              <a:buAutoNum type="romanLcPeriod" startAt="10"/>
-            </a:pPr>
-            <a:r>
-              <a:rPr lang="en-US" sz="2400">
-                <a:ea typeface="+mn-lt"/>
-                <a:cs typeface="+mn-lt"/>
-              </a:rPr>
-              <a:t>Type </a:t>
-            </a:r>
-            <a:r>
-              <a:rPr lang="en-US" sz="2400" err="1">
-                <a:ea typeface="+mn-lt"/>
-                <a:cs typeface="+mn-lt"/>
-              </a:rPr>
-              <a:t>ip</a:t>
-            </a:r>
-            <a:r>
-              <a:rPr lang="en-US" sz="2400">
-                <a:ea typeface="+mn-lt"/>
-                <a:cs typeface="+mn-lt"/>
-              </a:rPr>
-              <a:t> a</a:t>
-            </a:r>
-            <a:endParaRPr lang="en-US" sz="2400">
-              <a:cs typeface="Calibri" panose="020F0502020204030204"/>
-            </a:endParaRPr>
-          </a:p>
-          <a:p>
-            <a:pPr marL="1371600" lvl="2" indent="-457200">
-              <a:buAutoNum type="romanLcPeriod" startAt="10"/>
-            </a:pPr>
-            <a:r>
-              <a:rPr lang="en-US" sz="2400">
-                <a:ea typeface="+mn-lt"/>
-                <a:cs typeface="+mn-lt"/>
-              </a:rPr>
-              <a:t>Under eth0, find the address that is a series of 4 numbers separated by “.” – e.g., 192.168.</a:t>
-            </a:r>
-            <a:r>
-              <a:rPr lang="en-US" sz="2400" b="1">
-                <a:ea typeface="+mn-lt"/>
-                <a:cs typeface="+mn-lt"/>
-              </a:rPr>
-              <a:t>137</a:t>
-            </a:r>
-            <a:r>
-              <a:rPr lang="en-US" sz="2400">
-                <a:ea typeface="+mn-lt"/>
-                <a:cs typeface="+mn-lt"/>
-              </a:rPr>
-              <a:t>.176. Copy and paste the address into a web browser</a:t>
-            </a:r>
-            <a:endParaRPr lang="en-US" sz="2400">
-              <a:cs typeface="Calibri" panose="020F0502020204030204"/>
-            </a:endParaRPr>
-          </a:p>
-          <a:p>
-            <a:pPr marL="1371600" lvl="2" indent="-457200">
-              <a:buAutoNum type="romanLcPeriod" startAt="10"/>
-            </a:pPr>
-            <a:r>
-              <a:rPr lang="en-US" sz="2400">
-                <a:ea typeface="+mn-lt"/>
-                <a:cs typeface="+mn-lt"/>
-              </a:rPr>
-              <a:t>Find and open the </a:t>
-            </a:r>
-            <a:r>
-              <a:rPr lang="en-US" sz="2400" err="1"/>
-              <a:t>Stepper_motor_code.ino</a:t>
-            </a:r>
-            <a:r>
-              <a:rPr lang="en-US" sz="2400"/>
-              <a:t> file</a:t>
-            </a:r>
-            <a:r>
-              <a:rPr lang="en-US" sz="2400">
-                <a:ea typeface="+mn-lt"/>
-                <a:cs typeface="+mn-lt"/>
-              </a:rPr>
-              <a:t>.</a:t>
-            </a:r>
-          </a:p>
-          <a:p>
-            <a:pPr marL="1371600" lvl="2" indent="-457200">
-              <a:buAutoNum type="romanLcPeriod" startAt="10"/>
-            </a:pPr>
-            <a:r>
-              <a:rPr lang="en-US" sz="2400">
-                <a:ea typeface="+mn-lt"/>
-                <a:cs typeface="+mn-lt"/>
-              </a:rPr>
-              <a:t>Run the code  and watch the stepper motor.  Can you control its angular position?</a:t>
-            </a:r>
-          </a:p>
-          <a:p>
-            <a:pPr marL="1371600" lvl="2" indent="-457200">
-              <a:buAutoNum type="romanLcPeriod" startAt="10"/>
-            </a:pPr>
-            <a:r>
-              <a:rPr lang="en-US" sz="2400">
-                <a:ea typeface="+mn-lt"/>
-                <a:cs typeface="+mn-lt"/>
-              </a:rPr>
-              <a:t>Log results.</a:t>
-            </a:r>
           </a:p>
           <a:p>
             <a:pPr marL="971550" lvl="1" indent="-514350">
@@ -21004,15 +20935,6 @@
 </file>
 
 <file path=customXml/item1.xml><?xml version="1.0" encoding="utf-8"?>
-<?mso-contentType ?>
-<FormTemplates xmlns="http://schemas.microsoft.com/sharepoint/v3/contenttype/forms">
-  <Display>DocumentLibraryForm</Display>
-  <Edit>DocumentLibraryForm</Edit>
-  <New>DocumentLibraryForm</New>
-</FormTemplates>
-</file>
-
-<file path=customXml/item2.xml><?xml version="1.0" encoding="utf-8"?>
 <ct:contentTypeSchema xmlns:ct="http://schemas.microsoft.com/office/2006/metadata/contentType" xmlns:ma="http://schemas.microsoft.com/office/2006/metadata/properties/metaAttributes" ct:_="" ma:_="" ma:contentTypeName="Document" ma:contentTypeID="0x0101004A0C473BDAC8FC4DB340E7AAB5E1014B" ma:contentTypeVersion="16" ma:contentTypeDescription="Create a new document." ma:contentTypeScope="" ma:versionID="1be3c268ab8a302860a66fdeea0cf0f2">
   <xsd:schema xmlns:xsd="http://www.w3.org/2001/XMLSchema" xmlns:xs="http://www.w3.org/2001/XMLSchema" xmlns:p="http://schemas.microsoft.com/office/2006/metadata/properties" xmlns:ns2="8df60875-dcad-4166-8e08-f7ac794db536" xmlns:ns3="d2b14e39-678d-4f77-99f3-a8724b8eb3f1" targetNamespace="http://schemas.microsoft.com/office/2006/metadata/properties" ma:root="true" ma:fieldsID="078e9c5a7e110e3b4a77389ef3460909" ns2:_="" ns3:_="">
     <xsd:import namespace="8df60875-dcad-4166-8e08-f7ac794db536"/>
@@ -21255,6 +21177,15 @@
 </ct:contentTypeSchema>
 </file>
 
+<file path=customXml/item2.xml><?xml version="1.0" encoding="utf-8"?>
+<?mso-contentType ?>
+<FormTemplates xmlns="http://schemas.microsoft.com/sharepoint/v3/contenttype/forms">
+  <Display>DocumentLibraryForm</Display>
+  <Edit>DocumentLibraryForm</Edit>
+  <New>DocumentLibraryForm</New>
+</FormTemplates>
+</file>
+
 <file path=customXml/item3.xml><?xml version="1.0" encoding="utf-8"?>
 <p:properties xmlns:p="http://schemas.microsoft.com/office/2006/metadata/properties" xmlns:xsi="http://www.w3.org/2001/XMLSchema-instance" xmlns:pc="http://schemas.microsoft.com/office/infopath/2007/PartnerControls">
   <documentManagement>
@@ -21267,14 +21198,6 @@
 </file>
 
 <file path=customXml/itemProps1.xml><?xml version="1.0" encoding="utf-8"?>
-<ds:datastoreItem xmlns:ds="http://schemas.openxmlformats.org/officeDocument/2006/customXml" ds:itemID="{F23F3508-24EA-47C3-B0F8-BB4355EF0FD8}">
-  <ds:schemaRefs>
-    <ds:schemaRef ds:uri="http://schemas.microsoft.com/sharepoint/v3/contenttype/forms"/>
-  </ds:schemaRefs>
-</ds:datastoreItem>
-</file>
-
-<file path=customXml/itemProps2.xml><?xml version="1.0" encoding="utf-8"?>
 <ds:datastoreItem xmlns:ds="http://schemas.openxmlformats.org/officeDocument/2006/customXml" ds:itemID="{D185C3AF-FC44-47E6-8994-E142655B6AFD}">
   <ds:schemaRefs>
     <ds:schemaRef ds:uri="8df60875-dcad-4166-8e08-f7ac794db536"/>
@@ -21293,6 +21216,14 @@
 </ds:datastoreItem>
 </file>
 
+<file path=customXml/itemProps2.xml><?xml version="1.0" encoding="utf-8"?>
+<ds:datastoreItem xmlns:ds="http://schemas.openxmlformats.org/officeDocument/2006/customXml" ds:itemID="{F23F3508-24EA-47C3-B0F8-BB4355EF0FD8}">
+  <ds:schemaRefs>
+    <ds:schemaRef ds:uri="http://schemas.microsoft.com/sharepoint/v3/contenttype/forms"/>
+  </ds:schemaRefs>
+</ds:datastoreItem>
+</file>
+
 <file path=customXml/itemProps3.xml><?xml version="1.0" encoding="utf-8"?>
 <ds:datastoreItem xmlns:ds="http://schemas.openxmlformats.org/officeDocument/2006/customXml" ds:itemID="{28C7492B-DC34-4149-ACF5-A6D8C430D99C}">
   <ds:schemaRefs>
